--- a/maquette 2.1.pptx
+++ b/maquette 2.1.pptx
@@ -281,7 +281,7 @@
           <a:p>
             <a:fld id="{F1F4DE76-F39D-408F-AFFB-E8CD8FDAA89F}" type="datetimeFigureOut">
               <a:rPr lang="fr-FR" smtClean="0"/>
-              <a:t>12/07/2021</a:t>
+              <a:t>22/07/2021</a:t>
             </a:fld>
             <a:endParaRPr lang="fr-FR"/>
           </a:p>
@@ -451,7 +451,7 @@
           <a:p>
             <a:fld id="{F1F4DE76-F39D-408F-AFFB-E8CD8FDAA89F}" type="datetimeFigureOut">
               <a:rPr lang="fr-FR" smtClean="0"/>
-              <a:t>12/07/2021</a:t>
+              <a:t>22/07/2021</a:t>
             </a:fld>
             <a:endParaRPr lang="fr-FR"/>
           </a:p>
@@ -631,7 +631,7 @@
           <a:p>
             <a:fld id="{F1F4DE76-F39D-408F-AFFB-E8CD8FDAA89F}" type="datetimeFigureOut">
               <a:rPr lang="fr-FR" smtClean="0"/>
-              <a:t>12/07/2021</a:t>
+              <a:t>22/07/2021</a:t>
             </a:fld>
             <a:endParaRPr lang="fr-FR"/>
           </a:p>
@@ -801,7 +801,7 @@
           <a:p>
             <a:fld id="{F1F4DE76-F39D-408F-AFFB-E8CD8FDAA89F}" type="datetimeFigureOut">
               <a:rPr lang="fr-FR" smtClean="0"/>
-              <a:t>12/07/2021</a:t>
+              <a:t>22/07/2021</a:t>
             </a:fld>
             <a:endParaRPr lang="fr-FR"/>
           </a:p>
@@ -1047,7 +1047,7 @@
           <a:p>
             <a:fld id="{F1F4DE76-F39D-408F-AFFB-E8CD8FDAA89F}" type="datetimeFigureOut">
               <a:rPr lang="fr-FR" smtClean="0"/>
-              <a:t>12/07/2021</a:t>
+              <a:t>22/07/2021</a:t>
             </a:fld>
             <a:endParaRPr lang="fr-FR"/>
           </a:p>
@@ -1279,7 +1279,7 @@
           <a:p>
             <a:fld id="{F1F4DE76-F39D-408F-AFFB-E8CD8FDAA89F}" type="datetimeFigureOut">
               <a:rPr lang="fr-FR" smtClean="0"/>
-              <a:t>12/07/2021</a:t>
+              <a:t>22/07/2021</a:t>
             </a:fld>
             <a:endParaRPr lang="fr-FR"/>
           </a:p>
@@ -1646,7 +1646,7 @@
           <a:p>
             <a:fld id="{F1F4DE76-F39D-408F-AFFB-E8CD8FDAA89F}" type="datetimeFigureOut">
               <a:rPr lang="fr-FR" smtClean="0"/>
-              <a:t>12/07/2021</a:t>
+              <a:t>22/07/2021</a:t>
             </a:fld>
             <a:endParaRPr lang="fr-FR"/>
           </a:p>
@@ -1764,7 +1764,7 @@
           <a:p>
             <a:fld id="{F1F4DE76-F39D-408F-AFFB-E8CD8FDAA89F}" type="datetimeFigureOut">
               <a:rPr lang="fr-FR" smtClean="0"/>
-              <a:t>12/07/2021</a:t>
+              <a:t>22/07/2021</a:t>
             </a:fld>
             <a:endParaRPr lang="fr-FR"/>
           </a:p>
@@ -1859,7 +1859,7 @@
           <a:p>
             <a:fld id="{F1F4DE76-F39D-408F-AFFB-E8CD8FDAA89F}" type="datetimeFigureOut">
               <a:rPr lang="fr-FR" smtClean="0"/>
-              <a:t>12/07/2021</a:t>
+              <a:t>22/07/2021</a:t>
             </a:fld>
             <a:endParaRPr lang="fr-FR"/>
           </a:p>
@@ -2136,7 +2136,7 @@
           <a:p>
             <a:fld id="{F1F4DE76-F39D-408F-AFFB-E8CD8FDAA89F}" type="datetimeFigureOut">
               <a:rPr lang="fr-FR" smtClean="0"/>
-              <a:t>12/07/2021</a:t>
+              <a:t>22/07/2021</a:t>
             </a:fld>
             <a:endParaRPr lang="fr-FR"/>
           </a:p>
@@ -2389,7 +2389,7 @@
           <a:p>
             <a:fld id="{F1F4DE76-F39D-408F-AFFB-E8CD8FDAA89F}" type="datetimeFigureOut">
               <a:rPr lang="fr-FR" smtClean="0"/>
-              <a:t>12/07/2021</a:t>
+              <a:t>22/07/2021</a:t>
             </a:fld>
             <a:endParaRPr lang="fr-FR"/>
           </a:p>
@@ -2602,7 +2602,7 @@
           <a:p>
             <a:fld id="{F1F4DE76-F39D-408F-AFFB-E8CD8FDAA89F}" type="datetimeFigureOut">
               <a:rPr lang="fr-FR" smtClean="0"/>
-              <a:t>12/07/2021</a:t>
+              <a:t>22/07/2021</a:t>
             </a:fld>
             <a:endParaRPr lang="fr-FR"/>
           </a:p>
@@ -22030,7 +22030,7 @@
         </p:nvSpPr>
         <p:spPr>
           <a:xfrm>
-            <a:off x="5871346" y="3796460"/>
+            <a:off x="10009106" y="3785914"/>
             <a:ext cx="2757714" cy="353943"/>
           </a:xfrm>
           <a:prstGeom prst="rect">
@@ -22046,7 +22046,7 @@
           <a:p>
             <a:r>
               <a:rPr lang="fr-FR" sz="1700" b="1" dirty="0" smtClean="0"/>
-              <a:t>Alain PIERRE BERNARD</a:t>
+              <a:t>Fidelis RANDRIANIRINA</a:t>
             </a:r>
             <a:endParaRPr lang="fr-FR" sz="1700" b="1" dirty="0"/>
           </a:p>
@@ -22060,7 +22060,7 @@
         </p:nvSpPr>
         <p:spPr>
           <a:xfrm>
-            <a:off x="8336340" y="3793235"/>
+            <a:off x="6230087" y="3777581"/>
             <a:ext cx="2757714" cy="353943"/>
           </a:xfrm>
           <a:prstGeom prst="rect">
@@ -22138,7 +22138,7 @@
         </p:nvSpPr>
         <p:spPr>
           <a:xfrm>
-            <a:off x="8321826" y="2320121"/>
+            <a:off x="8205405" y="2310495"/>
             <a:ext cx="1484080" cy="1442059"/>
           </a:xfrm>
           <a:prstGeom prst="ellipse">
@@ -22234,7 +22234,7 @@
         </p:nvSpPr>
         <p:spPr>
           <a:xfrm>
-            <a:off x="10072913" y="3802369"/>
+            <a:off x="7893607" y="3777580"/>
             <a:ext cx="2757714" cy="353943"/>
           </a:xfrm>
           <a:prstGeom prst="rect">
@@ -22294,7 +22294,7 @@
         </p:nvSpPr>
         <p:spPr>
           <a:xfrm>
-            <a:off x="6537901" y="4063009"/>
+            <a:off x="8661004" y="4042028"/>
             <a:ext cx="1289874" cy="307777"/>
           </a:xfrm>
           <a:prstGeom prst="rect">
@@ -22324,7 +22324,7 @@
         </p:nvSpPr>
         <p:spPr>
           <a:xfrm>
-            <a:off x="8310317" y="4063008"/>
+            <a:off x="6184999" y="4077257"/>
             <a:ext cx="1708608" cy="307777"/>
           </a:xfrm>
           <a:prstGeom prst="rect">
@@ -22575,7 +22575,7 @@
         </p:blipFill>
         <p:spPr>
           <a:xfrm>
-            <a:off x="8746544" y="4423929"/>
+            <a:off x="8707907" y="4385292"/>
             <a:ext cx="396334" cy="218455"/>
           </a:xfrm>
           <a:prstGeom prst="rect">
@@ -22605,7 +22605,7 @@
         </p:blipFill>
         <p:spPr>
           <a:xfrm>
-            <a:off x="9153496" y="4385034"/>
+            <a:off x="9140617" y="4346397"/>
             <a:ext cx="304891" cy="304891"/>
           </a:xfrm>
           <a:prstGeom prst="rect">
@@ -22743,6 +22743,88 @@
           <a:xfrm>
             <a:off x="4029451" y="2320122"/>
             <a:ext cx="1484080" cy="1443438"/>
+          </a:xfrm>
+          <a:prstGeom prst="ellipse">
+            <a:avLst/>
+          </a:prstGeom>
+        </p:spPr>
+      </p:pic>
+      <p:pic>
+        <p:nvPicPr>
+          <p:cNvPr id="28" name="Image 27"/>
+          <p:cNvPicPr>
+            <a:picLocks noChangeAspect="1"/>
+          </p:cNvPicPr>
+          <p:nvPr/>
+        </p:nvPicPr>
+        <p:blipFill>
+          <a:blip r:embed="rId10"/>
+          <a:stretch>
+            <a:fillRect/>
+          </a:stretch>
+        </p:blipFill>
+        <p:spPr>
+          <a:xfrm>
+            <a:off x="6194739" y="2302364"/>
+            <a:ext cx="1507482" cy="1461196"/>
+          </a:xfrm>
+          <a:prstGeom prst="ellipse">
+            <a:avLst/>
+          </a:prstGeom>
+        </p:spPr>
+      </p:pic>
+      <p:pic>
+        <p:nvPicPr>
+          <p:cNvPr id="52" name="Image 51"/>
+          <p:cNvPicPr>
+            <a:picLocks noChangeAspect="1"/>
+          </p:cNvPicPr>
+          <p:nvPr/>
+        </p:nvPicPr>
+        <p:blipFill rotWithShape="1">
+          <a:blip r:embed="rId11" cstate="print">
+            <a:extLst>
+              <a:ext uri="{28A0092B-C50C-407E-A947-70E740481C1C}">
+                <a14:useLocalDpi xmlns:a14="http://schemas.microsoft.com/office/drawing/2010/main" val="0"/>
+              </a:ext>
+            </a:extLst>
+          </a:blip>
+          <a:srcRect t="4461" b="27127"/>
+          <a:stretch/>
+        </p:blipFill>
+        <p:spPr>
+          <a:xfrm>
+            <a:off x="8207125" y="2302364"/>
+            <a:ext cx="1484080" cy="1458323"/>
+          </a:xfrm>
+          <a:prstGeom prst="ellipse">
+            <a:avLst/>
+          </a:prstGeom>
+        </p:spPr>
+      </p:pic>
+      <p:pic>
+        <p:nvPicPr>
+          <p:cNvPr id="58" name="Image 57"/>
+          <p:cNvPicPr>
+            <a:picLocks noChangeAspect="1"/>
+          </p:cNvPicPr>
+          <p:nvPr/>
+        </p:nvPicPr>
+        <p:blipFill rotWithShape="1">
+          <a:blip r:embed="rId12" cstate="print">
+            <a:extLst>
+              <a:ext uri="{28A0092B-C50C-407E-A947-70E740481C1C}">
+                <a14:useLocalDpi xmlns:a14="http://schemas.microsoft.com/office/drawing/2010/main" val="0"/>
+              </a:ext>
+            </a:extLst>
+          </a:blip>
+          <a:srcRect t="3882" b="29228"/>
+          <a:stretch/>
+        </p:blipFill>
+        <p:spPr>
+          <a:xfrm>
+            <a:off x="10429844" y="2268853"/>
+            <a:ext cx="1561187" cy="1569091"/>
           </a:xfrm>
           <a:prstGeom prst="ellipse">
             <a:avLst/>
@@ -44932,6 +45014,237 @@
             <a:ext cx="392005" cy="385471"/>
           </a:xfrm>
           <a:prstGeom prst="rect">
+            <a:avLst/>
+          </a:prstGeom>
+        </p:spPr>
+      </p:pic>
+      <p:pic>
+        <p:nvPicPr>
+          <p:cNvPr id="71" name="Image 70"/>
+          <p:cNvPicPr>
+            <a:picLocks noChangeAspect="1"/>
+          </p:cNvPicPr>
+          <p:nvPr/>
+        </p:nvPicPr>
+        <p:blipFill rotWithShape="1">
+          <a:blip r:embed="rId7" cstate="print">
+            <a:extLst>
+              <a:ext uri="{28A0092B-C50C-407E-A947-70E740481C1C}">
+                <a14:useLocalDpi xmlns:a14="http://schemas.microsoft.com/office/drawing/2010/main" val="0"/>
+              </a:ext>
+            </a:extLst>
+          </a:blip>
+          <a:srcRect l="26025" t="-435" r="29711" b="28315"/>
+          <a:stretch/>
+        </p:blipFill>
+        <p:spPr>
+          <a:xfrm>
+            <a:off x="6409705" y="1858553"/>
+            <a:ext cx="542807" cy="567783"/>
+          </a:xfrm>
+          <a:prstGeom prst="ellipse">
+            <a:avLst/>
+          </a:prstGeom>
+        </p:spPr>
+      </p:pic>
+      <p:pic>
+        <p:nvPicPr>
+          <p:cNvPr id="76" name="Image 75"/>
+          <p:cNvPicPr>
+            <a:picLocks noChangeAspect="1"/>
+          </p:cNvPicPr>
+          <p:nvPr/>
+        </p:nvPicPr>
+        <p:blipFill rotWithShape="1">
+          <a:blip r:embed="rId8" cstate="print">
+            <a:extLst>
+              <a:ext uri="{28A0092B-C50C-407E-A947-70E740481C1C}">
+                <a14:useLocalDpi xmlns:a14="http://schemas.microsoft.com/office/drawing/2010/main" val="0"/>
+              </a:ext>
+            </a:extLst>
+          </a:blip>
+          <a:srcRect l="24841" t="435" r="30366" b="25274"/>
+          <a:stretch/>
+        </p:blipFill>
+        <p:spPr>
+          <a:xfrm>
+            <a:off x="8569808" y="1826755"/>
+            <a:ext cx="592508" cy="626159"/>
+          </a:xfrm>
+          <a:prstGeom prst="ellipse">
+            <a:avLst/>
+          </a:prstGeom>
+        </p:spPr>
+      </p:pic>
+      <p:pic>
+        <p:nvPicPr>
+          <p:cNvPr id="86" name="Image 85"/>
+          <p:cNvPicPr>
+            <a:picLocks noChangeAspect="1"/>
+          </p:cNvPicPr>
+          <p:nvPr/>
+        </p:nvPicPr>
+        <p:blipFill rotWithShape="1">
+          <a:blip r:embed="rId9" cstate="print">
+            <a:extLst>
+              <a:ext uri="{28A0092B-C50C-407E-A947-70E740481C1C}">
+                <a14:useLocalDpi xmlns:a14="http://schemas.microsoft.com/office/drawing/2010/main" val="0"/>
+              </a:ext>
+            </a:extLst>
+          </a:blip>
+          <a:srcRect l="25710" t="-869" r="23738" b="20929"/>
+          <a:stretch/>
+        </p:blipFill>
+        <p:spPr>
+          <a:xfrm>
+            <a:off x="7475336" y="3390264"/>
+            <a:ext cx="633429" cy="642590"/>
+          </a:xfrm>
+          <a:prstGeom prst="ellipse">
+            <a:avLst/>
+          </a:prstGeom>
+        </p:spPr>
+      </p:pic>
+      <p:pic>
+        <p:nvPicPr>
+          <p:cNvPr id="87" name="Image 86"/>
+          <p:cNvPicPr>
+            <a:picLocks noChangeAspect="1"/>
+          </p:cNvPicPr>
+          <p:nvPr/>
+        </p:nvPicPr>
+        <p:blipFill rotWithShape="1">
+          <a:blip r:embed="rId10" cstate="print">
+            <a:extLst>
+              <a:ext uri="{28A0092B-C50C-407E-A947-70E740481C1C}">
+                <a14:useLocalDpi xmlns:a14="http://schemas.microsoft.com/office/drawing/2010/main" val="0"/>
+              </a:ext>
+            </a:extLst>
+          </a:blip>
+          <a:srcRect l="21954" t="4779" r="30672" b="21364"/>
+          <a:stretch/>
+        </p:blipFill>
+        <p:spPr>
+          <a:xfrm>
+            <a:off x="5130517" y="3436945"/>
+            <a:ext cx="624158" cy="625359"/>
+          </a:xfrm>
+          <a:prstGeom prst="ellipse">
+            <a:avLst/>
+          </a:prstGeom>
+        </p:spPr>
+      </p:pic>
+      <p:pic>
+        <p:nvPicPr>
+          <p:cNvPr id="88" name="Image 87"/>
+          <p:cNvPicPr>
+            <a:picLocks noChangeAspect="1"/>
+          </p:cNvPicPr>
+          <p:nvPr/>
+        </p:nvPicPr>
+        <p:blipFill rotWithShape="1">
+          <a:blip r:embed="rId11" cstate="print">
+            <a:extLst>
+              <a:ext uri="{28A0092B-C50C-407E-A947-70E740481C1C}">
+                <a14:useLocalDpi xmlns:a14="http://schemas.microsoft.com/office/drawing/2010/main" val="0"/>
+              </a:ext>
+            </a:extLst>
+          </a:blip>
+          <a:srcRect l="10550" t="12385" r="15596" b="15138"/>
+          <a:stretch/>
+        </p:blipFill>
+        <p:spPr>
+          <a:xfrm>
+            <a:off x="9933571" y="3301516"/>
+            <a:ext cx="719467" cy="706061"/>
+          </a:xfrm>
+          <a:prstGeom prst="ellipse">
+            <a:avLst/>
+          </a:prstGeom>
+        </p:spPr>
+      </p:pic>
+      <p:pic>
+        <p:nvPicPr>
+          <p:cNvPr id="89" name="Image 88"/>
+          <p:cNvPicPr>
+            <a:picLocks noChangeAspect="1"/>
+          </p:cNvPicPr>
+          <p:nvPr/>
+        </p:nvPicPr>
+        <p:blipFill rotWithShape="1">
+          <a:blip r:embed="rId12" cstate="print">
+            <a:extLst>
+              <a:ext uri="{28A0092B-C50C-407E-A947-70E740481C1C}">
+                <a14:useLocalDpi xmlns:a14="http://schemas.microsoft.com/office/drawing/2010/main" val="0"/>
+              </a:ext>
+            </a:extLst>
+          </a:blip>
+          <a:srcRect l="4994" t="18340" r="7631" b="21055"/>
+          <a:stretch/>
+        </p:blipFill>
+        <p:spPr>
+          <a:xfrm>
+            <a:off x="6454159" y="4954291"/>
+            <a:ext cx="687035" cy="680386"/>
+          </a:xfrm>
+          <a:prstGeom prst="ellipse">
+            <a:avLst/>
+          </a:prstGeom>
+          <a:ln>
+            <a:noFill/>
+          </a:ln>
+          <a:effectLst/>
+        </p:spPr>
+      </p:pic>
+      <p:pic>
+        <p:nvPicPr>
+          <p:cNvPr id="91" name="Image 90"/>
+          <p:cNvPicPr>
+            <a:picLocks noChangeAspect="1"/>
+          </p:cNvPicPr>
+          <p:nvPr/>
+        </p:nvPicPr>
+        <p:blipFill rotWithShape="1">
+          <a:blip r:embed="rId13" cstate="print">
+            <a:extLst>
+              <a:ext uri="{28A0092B-C50C-407E-A947-70E740481C1C}">
+                <a14:useLocalDpi xmlns:a14="http://schemas.microsoft.com/office/drawing/2010/main" val="0"/>
+              </a:ext>
+            </a:extLst>
+          </a:blip>
+          <a:srcRect l="13086" r="14313" b="35102"/>
+          <a:stretch/>
+        </p:blipFill>
+        <p:spPr>
+          <a:xfrm>
+            <a:off x="8664982" y="4979429"/>
+            <a:ext cx="697962" cy="651985"/>
+          </a:xfrm>
+          <a:prstGeom prst="ellipse">
+            <a:avLst/>
+          </a:prstGeom>
+        </p:spPr>
+      </p:pic>
+      <p:pic>
+        <p:nvPicPr>
+          <p:cNvPr id="92" name="Image 91"/>
+          <p:cNvPicPr>
+            <a:picLocks noChangeAspect="1"/>
+          </p:cNvPicPr>
+          <p:nvPr/>
+        </p:nvPicPr>
+        <p:blipFill>
+          <a:blip r:embed="rId14"/>
+          <a:stretch>
+            <a:fillRect/>
+          </a:stretch>
+        </p:blipFill>
+        <p:spPr>
+          <a:xfrm>
+            <a:off x="7470273" y="440166"/>
+            <a:ext cx="585674" cy="567691"/>
+          </a:xfrm>
+          <a:prstGeom prst="ellipse">
             <a:avLst/>
           </a:prstGeom>
         </p:spPr>
